--- a/03-let.pptx
+++ b/03-let.pptx
@@ -160,7 +160,7 @@
   </p:defaultTextStyle>
   <p:extLst>
     <p:ext uri="{EFAFB233-063F-42B5-8137-9DF3F51BA10A}">
-      <p15:sldGuideLst xmlns:p15="http://schemas.microsoft.com/office/powerpoint/2012/main" xmlns="">
+      <p15:sldGuideLst xmlns="" xmlns:p15="http://schemas.microsoft.com/office/powerpoint/2012/main">
         <p15:guide id="1" orient="horz" pos="894">
           <p15:clr>
             <a:srgbClr val="A4A3A4"/>
@@ -174,7 +174,7 @@
       </p15:sldGuideLst>
     </p:ext>
     <p:ext uri="{2D200454-40CA-4A62-9FC3-DE9A4176ACB9}">
-      <p15:notesGuideLst xmlns:p15="http://schemas.microsoft.com/office/powerpoint/2012/main" xmlns=""/>
+      <p15:notesGuideLst xmlns="" xmlns:p15="http://schemas.microsoft.com/office/powerpoint/2012/main"/>
     </p:ext>
   </p:extLst>
 </p:presentation>
@@ -11737,29 +11737,18 @@
                 <a:ea typeface="Apple Chancery" charset="0"/>
                 <a:cs typeface="Apple Chancery" charset="0"/>
               </a:rPr>
-              <a:t>Refactor</a:t>
+              <a:t>Refactor. Execute the Tests.</a:t>
             </a:r>
           </a:p>
           <a:p>
             <a:pPr algn="ctr"/>
             <a:r>
-              <a:rPr lang="en-US" sz="6000" dirty="0" smtClean="0">
+              <a:rPr lang="en-US" sz="6000" smtClean="0">
                 <a:latin typeface="Apple Chancery" charset="0"/>
                 <a:ea typeface="Apple Chancery" charset="0"/>
                 <a:cs typeface="Apple Chancery" charset="0"/>
               </a:rPr>
-              <a:t>Execute the Tests</a:t>
-            </a:r>
-          </a:p>
-          <a:p>
-            <a:pPr algn="ctr"/>
-            <a:r>
-              <a:rPr lang="en-US" sz="6000" dirty="0" smtClean="0">
-                <a:latin typeface="Apple Chancery" charset="0"/>
-                <a:ea typeface="Apple Chancery" charset="0"/>
-                <a:cs typeface="Apple Chancery" charset="0"/>
-              </a:rPr>
-              <a:t>Find Success</a:t>
+              <a:t>Find Success.</a:t>
             </a:r>
             <a:endParaRPr lang="en-US" sz="6000" dirty="0">
               <a:latin typeface="Apple Chancery" charset="0"/>
@@ -12888,10 +12877,16 @@
           <a:lstStyle/>
           <a:p>
             <a:r>
-              <a:rPr lang="en-US" dirty="0" smtClean="0"/>
+              <a:rPr lang="en-US" dirty="0" smtClean="0">
+                <a:latin typeface="Courier New"/>
+                <a:cs typeface="Courier New"/>
+              </a:rPr>
               <a:t>let</a:t>
             </a:r>
-            <a:endParaRPr lang="en-US" dirty="0"/>
+            <a:endParaRPr lang="en-US" dirty="0">
+              <a:latin typeface="Courier New"/>
+              <a:cs typeface="Courier New"/>
+            </a:endParaRPr>
           </a:p>
         </p:txBody>
       </p:sp>
@@ -12912,35 +12907,70 @@
           <a:p>
             <a:r>
               <a:rPr lang="en-US" dirty="0"/>
-              <a:t>Use let to define a memoized helper method. The value will be cached</a:t>
-            </a:r>
-          </a:p>
-          <a:p>
+              <a:t>Use let to define a memoized helper method. </a:t>
+            </a:r>
+            <a:endParaRPr lang="en-US" dirty="0" smtClean="0"/>
+          </a:p>
+          <a:p>
+            <a:endParaRPr lang="en-US" dirty="0"/>
+          </a:p>
+          <a:p>
+            <a:r>
+              <a:rPr lang="en-US" dirty="0" smtClean="0"/>
+              <a:t>The </a:t>
+            </a:r>
             <a:r>
               <a:rPr lang="en-US" dirty="0"/>
-              <a:t>across multiple calls in the same example but not across examples.</a:t>
-            </a:r>
-          </a:p>
-          <a:p>
+              <a:t>value will be </a:t>
+            </a:r>
+            <a:r>
+              <a:rPr lang="en-US" dirty="0" smtClean="0"/>
+              <a:t>cached across </a:t>
+            </a:r>
+            <a:r>
+              <a:rPr lang="en-US" dirty="0"/>
+              <a:t>multiple calls in the same example but not across </a:t>
+            </a:r>
+            <a:r>
+              <a:rPr lang="en-US" dirty="0" smtClean="0"/>
+              <a:t>examples. It is also lazy</a:t>
+            </a:r>
+            <a:r>
+              <a:rPr lang="en-US" dirty="0"/>
+              <a:t>-evaluated: it is not evaluated until the first </a:t>
+            </a:r>
+            <a:r>
+              <a:rPr lang="en-US" dirty="0" smtClean="0"/>
+              <a:t>time the </a:t>
+            </a:r>
+            <a:r>
+              <a:rPr lang="en-US" dirty="0"/>
+              <a:t>method it defines is </a:t>
+            </a:r>
+            <a:r>
+              <a:rPr lang="en-US" dirty="0" smtClean="0"/>
+              <a:t>invoked. See </a:t>
+            </a:r>
+            <a:r>
+              <a:rPr lang="en-US" b="1" dirty="0" smtClean="0">
+                <a:latin typeface="Courier New"/>
+                <a:cs typeface="Courier New"/>
+              </a:rPr>
+              <a:t>let!</a:t>
+            </a:r>
+            <a:r>
+              <a:rPr lang="en-US" dirty="0" smtClean="0"/>
+              <a:t> if you want to </a:t>
+            </a:r>
+            <a:r>
+              <a:rPr lang="en-US" dirty="0" smtClean="0"/>
+              <a:t>force the invocation </a:t>
+            </a:r>
+            <a:r>
+              <a:rPr lang="en-US" dirty="0" smtClean="0"/>
+              <a:t>before each example.</a:t>
+            </a:r>
             <a:endParaRPr lang="en-US" dirty="0"/>
-          </a:p>
-          <a:p>
-            <a:r>
-              <a:rPr lang="en-US" i="1" dirty="0"/>
-              <a:t>Note that let is lazy-evaluated: it is not evaluated until the first time</a:t>
-            </a:r>
-          </a:p>
-          <a:p>
-            <a:r>
-              <a:rPr lang="en-US" i="1" dirty="0"/>
-              <a:t>the method it defines is invoked. You can use let! to force the method's</a:t>
-            </a:r>
-          </a:p>
-          <a:p>
-            <a:r>
-              <a:rPr lang="en-US" i="1" dirty="0"/>
-              <a:t>invocation before each example.</a:t>
-            </a:r>
           </a:p>
         </p:txBody>
       </p:sp>
@@ -17278,7 +17308,7 @@
   <a:extraClrSchemeLst/>
   <a:extLst>
     <a:ext uri="{05A4C25C-085E-4340-85A3-A5531E510DB2}">
-      <thm15:themeFamily xmlns:thm15="http://schemas.microsoft.com/office/thememl/2012/main" xmlns="" name="Chef-TemplateComps_v09-16x9-Light.potx" id="{078CEFDB-FA7A-4E36-9964-13EF367585CB}" vid="{8B87B0F3-7308-43D5-8388-E1B49EA02652}"/>
+      <thm15:themeFamily xmlns="" xmlns:thm15="http://schemas.microsoft.com/office/thememl/2012/main" name="Chef-TemplateComps_v09-16x9-Light.potx" id="{078CEFDB-FA7A-4E36-9964-13EF367585CB}" vid="{8B87B0F3-7308-43D5-8388-E1B49EA02652}"/>
     </a:ext>
   </a:extLst>
 </a:theme>
@@ -17660,7 +17690,7 @@
   <a:extraClrSchemeLst/>
   <a:extLst>
     <a:ext uri="{05A4C25C-085E-4340-85A3-A5531E510DB2}">
-      <thm15:themeFamily xmlns:thm15="http://schemas.microsoft.com/office/thememl/2012/main" xmlns="" name="Chef-TemplateComps_v09-16x9-Light.potx" id="{078CEFDB-FA7A-4E36-9964-13EF367585CB}" vid="{8B87B0F3-7308-43D5-8388-E1B49EA02652}"/>
+      <thm15:themeFamily xmlns="" xmlns:thm15="http://schemas.microsoft.com/office/thememl/2012/main" name="Chef-TemplateComps_v09-16x9-Light.potx" id="{078CEFDB-FA7A-4E36-9964-13EF367585CB}" vid="{8B87B0F3-7308-43D5-8388-E1B49EA02652}"/>
     </a:ext>
   </a:extLst>
 </a:theme>

--- a/03-let.pptx
+++ b/03-let.pptx
@@ -160,7 +160,7 @@
   </p:defaultTextStyle>
   <p:extLst>
     <p:ext uri="{EFAFB233-063F-42B5-8137-9DF3F51BA10A}">
-      <p15:sldGuideLst xmlns="" xmlns:p15="http://schemas.microsoft.com/office/powerpoint/2012/main">
+      <p15:sldGuideLst xmlns:p15="http://schemas.microsoft.com/office/powerpoint/2012/main" xmlns="">
         <p15:guide id="1" orient="horz" pos="894">
           <p15:clr>
             <a:srgbClr val="A4A3A4"/>
@@ -174,7 +174,7 @@
       </p15:sldGuideLst>
     </p:ext>
     <p:ext uri="{2D200454-40CA-4A62-9FC3-DE9A4176ACB9}">
-      <p15:notesGuideLst xmlns="" xmlns:p15="http://schemas.microsoft.com/office/powerpoint/2012/main"/>
+      <p15:notesGuideLst xmlns:p15="http://schemas.microsoft.com/office/powerpoint/2012/main" xmlns=""/>
     </p:ext>
   </p:extLst>
 </p:presentation>
@@ -291,7 +291,7 @@
               <a:pPr>
                 <a:defRPr/>
               </a:pPr>
-              <a:t>10/24/16</a:t>
+              <a:t>10/25/16</a:t>
             </a:fld>
             <a:endParaRPr lang="en-US" dirty="0"/>
           </a:p>
@@ -474,7 +474,7 @@
               <a:pPr>
                 <a:defRPr/>
               </a:pPr>
-              <a:t>10/24/16</a:t>
+              <a:t>10/25/16</a:t>
             </a:fld>
             <a:endParaRPr lang="en-US" dirty="0"/>
           </a:p>
@@ -1723,26 +1723,6 @@
           <a:bodyPr/>
           <a:lstStyle/>
           <a:p>
-            <a:r>
-              <a:rPr lang="en-US" dirty="0" err="1" smtClean="0"/>
-              <a:t>davidd</a:t>
-            </a:r>
-            <a:r>
-              <a:rPr lang="en-US" baseline="0" dirty="0" smtClean="0"/>
-              <a:t> @ </a:t>
-            </a:r>
-            <a:r>
-              <a:rPr lang="en-US" dirty="0" smtClean="0"/>
-              <a:t>https://</a:t>
-            </a:r>
-            <a:r>
-              <a:rPr lang="en-US" dirty="0" err="1" smtClean="0"/>
-              <a:t>flic.kr</a:t>
-            </a:r>
-            <a:r>
-              <a:rPr lang="en-US" dirty="0" smtClean="0"/>
-              <a:t>/p/DyTeW1</a:t>
-            </a:r>
             <a:endParaRPr lang="en-US" dirty="0"/>
           </a:p>
         </p:txBody>
@@ -10607,7 +10587,7 @@
         <p:spPr bwMode="white">
           <a:xfrm>
             <a:off x="582706" y="2345765"/>
-            <a:ext cx="6977529" cy="2166470"/>
+            <a:ext cx="14828477" cy="2166470"/>
           </a:xfrm>
           <a:prstGeom prst="rect">
             <a:avLst/>
@@ -10625,8 +10605,48 @@
                   <a:schemeClr val="bg1"/>
                 </a:solidFill>
               </a:rPr>
-              <a:t>Motivational thing to say</a:t>
-            </a:r>
+              <a:t>"Let </a:t>
+            </a:r>
+            <a:r>
+              <a:rPr lang="en-US" sz="3200" dirty="0">
+                <a:solidFill>
+                  <a:schemeClr val="bg1"/>
+                </a:solidFill>
+              </a:rPr>
+              <a:t>us always meet each other with smile, for the smile is the beginning of love</a:t>
+            </a:r>
+            <a:r>
+              <a:rPr lang="en-US" sz="3200" dirty="0" smtClean="0">
+                <a:solidFill>
+                  <a:schemeClr val="bg1"/>
+                </a:solidFill>
+              </a:rPr>
+              <a:t>."</a:t>
+            </a:r>
+          </a:p>
+          <a:p>
+            <a:pPr algn="r"/>
+            <a:r>
+              <a:rPr lang="en-US" sz="3200" dirty="0" smtClean="0">
+                <a:solidFill>
+                  <a:schemeClr val="bg1"/>
+                </a:solidFill>
+              </a:rPr>
+              <a:t>~ Mother </a:t>
+            </a:r>
+            <a:r>
+              <a:rPr lang="en-US" sz="3200" dirty="0">
+                <a:solidFill>
+                  <a:schemeClr val="bg1"/>
+                </a:solidFill>
+              </a:rPr>
+              <a:t>Teresa</a:t>
+            </a:r>
+            <a:endParaRPr lang="en-US" sz="3200" dirty="0" smtClean="0">
+              <a:solidFill>
+                <a:schemeClr val="bg1"/>
+              </a:solidFill>
+            </a:endParaRPr>
           </a:p>
         </p:txBody>
       </p:sp>
@@ -11629,7 +11649,7 @@
         <p:spPr bwMode="white">
           <a:xfrm>
             <a:off x="582706" y="2345765"/>
-            <a:ext cx="6977529" cy="2166470"/>
+            <a:ext cx="15108289" cy="2166470"/>
           </a:xfrm>
           <a:prstGeom prst="rect">
             <a:avLst/>
@@ -11642,12 +11662,31 @@
           <a:lstStyle/>
           <a:p>
             <a:r>
-              <a:rPr lang="en-US" sz="3200" dirty="0" smtClean="0">
+              <a:rPr lang="en-US" sz="3000" dirty="0">
                 <a:solidFill>
                   <a:schemeClr val="bg1"/>
                 </a:solidFill>
               </a:rPr>
-              <a:t>Motivational thing to say</a:t>
+              <a:t>"Let us not pray to be sheltered from dangers but to be fearless when facing them</a:t>
+            </a:r>
+            <a:r>
+              <a:rPr lang="en-US" sz="3000" dirty="0" smtClean="0">
+                <a:solidFill>
+                  <a:schemeClr val="bg1"/>
+                </a:solidFill>
+              </a:rPr>
+              <a:t>." </a:t>
+            </a:r>
+          </a:p>
+          <a:p>
+            <a:pPr algn="r"/>
+            <a:r>
+              <a:rPr lang="en-US" sz="3000" dirty="0" smtClean="0">
+                <a:solidFill>
+                  <a:schemeClr val="bg1"/>
+                </a:solidFill>
+              </a:rPr>
+              <a:t>~ Rabindranath Tagore</a:t>
             </a:r>
           </a:p>
         </p:txBody>
@@ -12190,7 +12229,7 @@
         <p:spPr bwMode="white">
           <a:xfrm>
             <a:off x="582706" y="2345765"/>
-            <a:ext cx="6977529" cy="2166470"/>
+            <a:ext cx="14010565" cy="2166470"/>
           </a:xfrm>
           <a:prstGeom prst="rect">
             <a:avLst/>
@@ -12203,13 +12242,69 @@
           <a:lstStyle/>
           <a:p>
             <a:r>
-              <a:rPr lang="en-US" sz="3200" dirty="0" smtClean="0">
+              <a:rPr lang="en-US" sz="3200" i="1" dirty="0" smtClean="0">
                 <a:solidFill>
                   <a:schemeClr val="bg1"/>
                 </a:solidFill>
               </a:rPr>
-              <a:t>Motivational thing to say</a:t>
-            </a:r>
+              <a:t>"Come</a:t>
+            </a:r>
+            <a:r>
+              <a:rPr lang="en-US" sz="3200" i="1" dirty="0">
+                <a:solidFill>
+                  <a:schemeClr val="bg1"/>
+                </a:solidFill>
+              </a:rPr>
+              <a:t>, let us have some tea and continue to talk about happy things</a:t>
+            </a:r>
+            <a:r>
+              <a:rPr lang="en-US" sz="3200" i="1" dirty="0" smtClean="0">
+                <a:solidFill>
+                  <a:schemeClr val="bg1"/>
+                </a:solidFill>
+              </a:rPr>
+              <a:t>." </a:t>
+            </a:r>
+          </a:p>
+          <a:p>
+            <a:pPr algn="r"/>
+            <a:r>
+              <a:rPr lang="en-US" sz="3200" i="1" dirty="0" smtClean="0">
+                <a:solidFill>
+                  <a:schemeClr val="bg1"/>
+                </a:solidFill>
+              </a:rPr>
+              <a:t>~ </a:t>
+            </a:r>
+            <a:r>
+              <a:rPr lang="en-US" sz="3200" i="1" dirty="0" err="1" smtClean="0">
+                <a:solidFill>
+                  <a:schemeClr val="bg1"/>
+                </a:solidFill>
+              </a:rPr>
+              <a:t>Chaim</a:t>
+            </a:r>
+            <a:r>
+              <a:rPr lang="en-US" sz="3200" i="1" dirty="0" smtClean="0">
+                <a:solidFill>
+                  <a:schemeClr val="bg1"/>
+                </a:solidFill>
+              </a:rPr>
+              <a:t> </a:t>
+            </a:r>
+            <a:r>
+              <a:rPr lang="en-US" sz="3200" i="1" dirty="0" err="1">
+                <a:solidFill>
+                  <a:schemeClr val="bg1"/>
+                </a:solidFill>
+              </a:rPr>
+              <a:t>Potok</a:t>
+            </a:r>
+            <a:endParaRPr lang="en-US" sz="3200" i="1" dirty="0" smtClean="0">
+              <a:solidFill>
+                <a:schemeClr val="bg1"/>
+              </a:solidFill>
+            </a:endParaRPr>
           </a:p>
         </p:txBody>
       </p:sp>
@@ -12359,8 +12454,29 @@
                 <a:ea typeface="Apple Chancery" charset="0"/>
                 <a:cs typeface="Apple Chancery" charset="0"/>
               </a:rPr>
-              <a:t> to express the tests succinctly</a:t>
-            </a:r>
+              <a:t> to express the </a:t>
+            </a:r>
+            <a:r>
+              <a:rPr lang="en-US" sz="7200" smtClean="0">
+                <a:latin typeface="Apple Chancery" charset="0"/>
+                <a:ea typeface="Apple Chancery" charset="0"/>
+                <a:cs typeface="Apple Chancery" charset="0"/>
+              </a:rPr>
+              <a:t>tests </a:t>
+            </a:r>
+            <a:r>
+              <a:rPr lang="en-US" sz="7200" smtClean="0">
+                <a:latin typeface="Apple Chancery" charset="0"/>
+                <a:ea typeface="Apple Chancery" charset="0"/>
+                <a:cs typeface="Apple Chancery" charset="0"/>
+              </a:rPr>
+              <a:t>succinctly.</a:t>
+            </a:r>
+            <a:endParaRPr lang="en-US" sz="7200" dirty="0" smtClean="0">
+              <a:latin typeface="Apple Chancery" charset="0"/>
+              <a:ea typeface="Apple Chancery" charset="0"/>
+              <a:cs typeface="Apple Chancery" charset="0"/>
+            </a:endParaRPr>
           </a:p>
         </p:txBody>
       </p:sp>
@@ -12796,7 +12912,7 @@
         <p:spPr bwMode="white">
           <a:xfrm>
             <a:off x="582706" y="2345765"/>
-            <a:ext cx="6977529" cy="2166470"/>
+            <a:ext cx="14762711" cy="2166470"/>
           </a:xfrm>
           <a:prstGeom prst="rect">
             <a:avLst/>
@@ -12809,13 +12925,45 @@
           <a:lstStyle/>
           <a:p>
             <a:r>
-              <a:rPr lang="en-US" sz="3200" dirty="0" smtClean="0">
+              <a:rPr lang="en-US" sz="3200" i="1" dirty="0">
                 <a:solidFill>
                   <a:schemeClr val="bg1"/>
                 </a:solidFill>
               </a:rPr>
-              <a:t>Motivational thing to say</a:t>
-            </a:r>
+              <a:t>"Since we cannot change reality, let us change the eyes which see reality</a:t>
+            </a:r>
+            <a:r>
+              <a:rPr lang="en-US" sz="3200" i="1" dirty="0" smtClean="0">
+                <a:solidFill>
+                  <a:schemeClr val="bg1"/>
+                </a:solidFill>
+              </a:rPr>
+              <a:t>."</a:t>
+            </a:r>
+          </a:p>
+          <a:p>
+            <a:pPr algn="r"/>
+            <a:r>
+              <a:rPr lang="en-US" sz="3200" i="1" dirty="0" smtClean="0">
+                <a:solidFill>
+                  <a:schemeClr val="bg1"/>
+                </a:solidFill>
+              </a:rPr>
+              <a:t>~ </a:t>
+            </a:r>
+            <a:r>
+              <a:rPr lang="en-US" sz="3200" i="1" dirty="0">
+                <a:solidFill>
+                  <a:schemeClr val="bg1"/>
+                </a:solidFill>
+              </a:rPr>
+              <a:t>Nikos Kazantzakis</a:t>
+            </a:r>
+            <a:endParaRPr lang="en-US" sz="3200" i="1" dirty="0" smtClean="0">
+              <a:solidFill>
+                <a:schemeClr val="bg1"/>
+              </a:solidFill>
+            </a:endParaRPr>
           </a:p>
         </p:txBody>
       </p:sp>
@@ -12960,15 +13108,7 @@
             </a:r>
             <a:r>
               <a:rPr lang="en-US" dirty="0" smtClean="0"/>
-              <a:t> if you want to </a:t>
-            </a:r>
-            <a:r>
-              <a:rPr lang="en-US" dirty="0" smtClean="0"/>
-              <a:t>force the invocation </a:t>
-            </a:r>
-            <a:r>
-              <a:rPr lang="en-US" dirty="0" smtClean="0"/>
-              <a:t>before each example.</a:t>
+              <a:t> if you want to force the invocation before each example.</a:t>
             </a:r>
             <a:endParaRPr lang="en-US" dirty="0"/>
           </a:p>
@@ -16672,6 +16812,71 @@
           </a:p>
         </p:txBody>
       </p:sp>
+      <p:sp>
+        <p:nvSpPr>
+          <p:cNvPr id="4" name="Rectangle 3"/>
+          <p:cNvSpPr/>
+          <p:nvPr/>
+        </p:nvSpPr>
+        <p:spPr bwMode="auto">
+          <a:xfrm>
+            <a:off x="602672" y="2303491"/>
+            <a:ext cx="14937655" cy="2540299"/>
+          </a:xfrm>
+          <a:prstGeom prst="rect">
+            <a:avLst/>
+          </a:prstGeom>
+          <a:solidFill>
+            <a:schemeClr val="accent1">
+              <a:alpha val="28000"/>
+            </a:schemeClr>
+          </a:solidFill>
+          <a:ln>
+            <a:noFill/>
+            <a:headEnd type="none" w="med" len="med"/>
+            <a:tailEnd type="none" w="med" len="med"/>
+          </a:ln>
+          <a:effectLst/>
+        </p:spPr>
+        <p:style>
+          <a:lnRef idx="1">
+            <a:schemeClr val="accent4"/>
+          </a:lnRef>
+          <a:fillRef idx="3">
+            <a:schemeClr val="accent4"/>
+          </a:fillRef>
+          <a:effectRef idx="2">
+            <a:schemeClr val="accent4"/>
+          </a:effectRef>
+          <a:fontRef idx="minor">
+            <a:schemeClr val="lt1"/>
+          </a:fontRef>
+        </p:style>
+        <p:txBody>
+          <a:bodyPr vert="horz" wrap="square" lIns="91436" tIns="45718" rIns="91436" bIns="45718" numCol="1" rtlCol="0" anchor="ctr" anchorCtr="0" compatLnSpc="1">
+            <a:prstTxWarp prst="textNoShape">
+              <a:avLst/>
+            </a:prstTxWarp>
+          </a:bodyPr>
+          <a:lstStyle/>
+          <a:p>
+            <a:pPr algn="ctr" defTabSz="914099"/>
+            <a:endParaRPr lang="en-US" sz="2400" dirty="0" err="1" smtClean="0">
+              <a:gradFill>
+                <a:gsLst>
+                  <a:gs pos="0">
+                    <a:srgbClr val="FFFFFF"/>
+                  </a:gs>
+                  <a:gs pos="100000">
+                    <a:srgbClr val="FFFFFF"/>
+                  </a:gs>
+                </a:gsLst>
+                <a:lin ang="5400000" scaled="0"/>
+              </a:gradFill>
+            </a:endParaRPr>
+          </a:p>
+        </p:txBody>
+      </p:sp>
     </p:spTree>
     <p:extLst>
       <p:ext uri="{BB962C8B-B14F-4D97-AF65-F5344CB8AC3E}">
@@ -16886,7 +17091,7 @@
         <p:spPr bwMode="white">
           <a:xfrm>
             <a:off x="582706" y="2345765"/>
-            <a:ext cx="6977529" cy="2166470"/>
+            <a:ext cx="14763905" cy="2166470"/>
           </a:xfrm>
           <a:prstGeom prst="rect">
             <a:avLst/>
@@ -16899,13 +17104,53 @@
           <a:lstStyle/>
           <a:p>
             <a:r>
-              <a:rPr lang="en-US" sz="3200" dirty="0" smtClean="0">
+              <a:rPr lang="en-US" sz="3200" i="1" dirty="0" smtClean="0">
                 <a:solidFill>
                   <a:schemeClr val="bg1"/>
                 </a:solidFill>
               </a:rPr>
-              <a:t>Motivational thing to say</a:t>
-            </a:r>
+              <a:t>"If </a:t>
+            </a:r>
+            <a:r>
+              <a:rPr lang="en-US" sz="3200" i="1" dirty="0">
+                <a:solidFill>
+                  <a:schemeClr val="bg1"/>
+                </a:solidFill>
+              </a:rPr>
+              <a:t>the path be beautiful, let us not ask where it </a:t>
+            </a:r>
+            <a:r>
+              <a:rPr lang="en-US" sz="3200" i="1" dirty="0" smtClean="0">
+                <a:solidFill>
+                  <a:schemeClr val="bg1"/>
+                </a:solidFill>
+              </a:rPr>
+              <a:t>leads."</a:t>
+            </a:r>
+          </a:p>
+          <a:p>
+            <a:pPr algn="r"/>
+            <a:r>
+              <a:rPr lang="en-US" sz="3200" i="1" dirty="0" smtClean="0">
+                <a:solidFill>
+                  <a:schemeClr val="bg1"/>
+                </a:solidFill>
+              </a:rPr>
+              <a:t>~ Anatole </a:t>
+            </a:r>
+            <a:r>
+              <a:rPr lang="en-US" sz="3200" i="1" dirty="0">
+                <a:solidFill>
+                  <a:schemeClr val="bg1"/>
+                </a:solidFill>
+              </a:rPr>
+              <a:t>France</a:t>
+            </a:r>
+            <a:endParaRPr lang="en-US" sz="3200" i="1" dirty="0" smtClean="0">
+              <a:solidFill>
+                <a:schemeClr val="bg1"/>
+              </a:solidFill>
+            </a:endParaRPr>
           </a:p>
         </p:txBody>
       </p:sp>
@@ -17308,7 +17553,7 @@
   <a:extraClrSchemeLst/>
   <a:extLst>
     <a:ext uri="{05A4C25C-085E-4340-85A3-A5531E510DB2}">
-      <thm15:themeFamily xmlns="" xmlns:thm15="http://schemas.microsoft.com/office/thememl/2012/main" name="Chef-TemplateComps_v09-16x9-Light.potx" id="{078CEFDB-FA7A-4E36-9964-13EF367585CB}" vid="{8B87B0F3-7308-43D5-8388-E1B49EA02652}"/>
+      <thm15:themeFamily xmlns:thm15="http://schemas.microsoft.com/office/thememl/2012/main" xmlns="" name="Chef-TemplateComps_v09-16x9-Light.potx" id="{078CEFDB-FA7A-4E36-9964-13EF367585CB}" vid="{8B87B0F3-7308-43D5-8388-E1B49EA02652}"/>
     </a:ext>
   </a:extLst>
 </a:theme>
@@ -17690,7 +17935,7 @@
   <a:extraClrSchemeLst/>
   <a:extLst>
     <a:ext uri="{05A4C25C-085E-4340-85A3-A5531E510DB2}">
-      <thm15:themeFamily xmlns="" xmlns:thm15="http://schemas.microsoft.com/office/thememl/2012/main" name="Chef-TemplateComps_v09-16x9-Light.potx" id="{078CEFDB-FA7A-4E36-9964-13EF367585CB}" vid="{8B87B0F3-7308-43D5-8388-E1B49EA02652}"/>
+      <thm15:themeFamily xmlns:thm15="http://schemas.microsoft.com/office/thememl/2012/main" xmlns="" name="Chef-TemplateComps_v09-16x9-Light.potx" id="{078CEFDB-FA7A-4E36-9964-13EF367585CB}" vid="{8B87B0F3-7308-43D5-8388-E1B49EA02652}"/>
     </a:ext>
   </a:extLst>
 </a:theme>

--- a/03-let.pptx
+++ b/03-let.pptx
@@ -839,7 +839,19 @@
           <a:p>
             <a:r>
               <a:rPr lang="en-US" dirty="0" smtClean="0"/>
-              <a:t>The first technique that we are going to explore is the powerful helper called: let.</a:t>
+              <a:t>The first technique that </a:t>
+            </a:r>
+            <a:r>
+              <a:rPr lang="en-US" smtClean="0"/>
+              <a:t>we </a:t>
+            </a:r>
+            <a:r>
+              <a:rPr lang="en-US" smtClean="0"/>
+              <a:t>are </a:t>
+            </a:r>
+            <a:r>
+              <a:rPr lang="en-US" dirty="0" smtClean="0"/>
+              <a:t>going to explore is the powerful helper called: let.</a:t>
             </a:r>
             <a:endParaRPr lang="en-US" dirty="0"/>
           </a:p>
@@ -2435,11 +2447,7 @@
           <a:p>
             <a:r>
               <a:rPr lang="en-US" dirty="0" smtClean="0"/>
-              <a:t>In this module we will use let to help us express our tests more succinctly</a:t>
-            </a:r>
-            <a:r>
-              <a:rPr lang="en-US" dirty="0" smtClean="0"/>
-              <a:t>.</a:t>
+              <a:t>In this module we will use let to help us express our tests more succinctly.</a:t>
             </a:r>
             <a:endParaRPr lang="en-US" dirty="0"/>
           </a:p>
@@ -4967,14 +4975,14 @@
           </a:ln>
           <a:extLst>
             <a:ext uri="{909E8E84-426E-40dd-AFC4-6F175D3DCCD1}">
-              <a14:hiddenFill xmlns:a14="http://schemas.microsoft.com/office/drawing/2010/main" xmlns="">
+              <a14:hiddenFill xmlns="" xmlns:a14="http://schemas.microsoft.com/office/drawing/2010/main">
                 <a:solidFill>
                   <a:srgbClr val="FFFFFF"/>
                 </a:solidFill>
               </a14:hiddenFill>
             </a:ext>
             <a:ext uri="{91240B29-F687-4f45-9708-019B960494DF}">
-              <a14:hiddenLine xmlns:a14="http://schemas.microsoft.com/office/drawing/2010/main" xmlns="" w="9525">
+              <a14:hiddenLine xmlns="" xmlns:a14="http://schemas.microsoft.com/office/drawing/2010/main" w="9525">
                 <a:solidFill>
                   <a:srgbClr val="000000"/>
                 </a:solidFill>
@@ -5122,14 +5130,14 @@
           </a:ln>
           <a:extLst>
             <a:ext uri="{909E8E84-426E-40dd-AFC4-6F175D3DCCD1}">
-              <a14:hiddenFill xmlns:a14="http://schemas.microsoft.com/office/drawing/2010/main" xmlns="">
+              <a14:hiddenFill xmlns="" xmlns:a14="http://schemas.microsoft.com/office/drawing/2010/main">
                 <a:solidFill>
                   <a:srgbClr val="FFFFFF"/>
                 </a:solidFill>
               </a14:hiddenFill>
             </a:ext>
             <a:ext uri="{91240B29-F687-4f45-9708-019B960494DF}">
-              <a14:hiddenLine xmlns:a14="http://schemas.microsoft.com/office/drawing/2010/main" xmlns="" w="9525">
+              <a14:hiddenLine xmlns="" xmlns:a14="http://schemas.microsoft.com/office/drawing/2010/main" w="9525">
                 <a:solidFill>
                   <a:srgbClr val="000000"/>
                 </a:solidFill>
@@ -5620,14 +5628,14 @@
           </a:ln>
           <a:extLst>
             <a:ext uri="{909E8E84-426E-40dd-AFC4-6F175D3DCCD1}">
-              <a14:hiddenFill xmlns:a14="http://schemas.microsoft.com/office/drawing/2010/main" xmlns="">
+              <a14:hiddenFill xmlns="" xmlns:a14="http://schemas.microsoft.com/office/drawing/2010/main">
                 <a:solidFill>
                   <a:srgbClr val="FFFFFF"/>
                 </a:solidFill>
               </a14:hiddenFill>
             </a:ext>
             <a:ext uri="{91240B29-F687-4f45-9708-019B960494DF}">
-              <a14:hiddenLine xmlns:a14="http://schemas.microsoft.com/office/drawing/2010/main" xmlns="" w="9525">
+              <a14:hiddenLine xmlns="" xmlns:a14="http://schemas.microsoft.com/office/drawing/2010/main" w="9525">
                 <a:solidFill>
                   <a:srgbClr val="000000"/>
                 </a:solidFill>
@@ -7380,14 +7388,14 @@
           </a:ln>
           <a:extLst>
             <a:ext uri="{909E8E84-426E-40dd-AFC4-6F175D3DCCD1}">
-              <a14:hiddenFill xmlns:a14="http://schemas.microsoft.com/office/drawing/2010/main" xmlns="">
+              <a14:hiddenFill xmlns="" xmlns:a14="http://schemas.microsoft.com/office/drawing/2010/main">
                 <a:solidFill>
                   <a:srgbClr val="FFFFFF"/>
                 </a:solidFill>
               </a14:hiddenFill>
             </a:ext>
             <a:ext uri="{91240B29-F687-4f45-9708-019B960494DF}">
-              <a14:hiddenLine xmlns:a14="http://schemas.microsoft.com/office/drawing/2010/main" xmlns="" w="9525">
+              <a14:hiddenLine xmlns="" xmlns:a14="http://schemas.microsoft.com/office/drawing/2010/main" w="9525">
                 <a:solidFill>
                   <a:srgbClr val="000000"/>
                 </a:solidFill>
@@ -9307,14 +9315,14 @@
           </a:ln>
           <a:extLst>
             <a:ext uri="{909E8E84-426E-40dd-AFC4-6F175D3DCCD1}">
-              <a14:hiddenFill xmlns:a14="http://schemas.microsoft.com/office/drawing/2010/main" xmlns="">
+              <a14:hiddenFill xmlns="" xmlns:a14="http://schemas.microsoft.com/office/drawing/2010/main">
                 <a:solidFill>
                   <a:srgbClr val="FFFFFF"/>
                 </a:solidFill>
               </a14:hiddenFill>
             </a:ext>
             <a:ext uri="{91240B29-F687-4f45-9708-019B960494DF}">
-              <a14:hiddenLine xmlns:a14="http://schemas.microsoft.com/office/drawing/2010/main" xmlns="" w="9525">
+              <a14:hiddenLine xmlns="" xmlns:a14="http://schemas.microsoft.com/office/drawing/2010/main" w="9525">
                 <a:solidFill>
                   <a:srgbClr val="000000"/>
                 </a:solidFill>
@@ -9872,14 +9880,14 @@
           </a:ln>
           <a:extLst>
             <a:ext uri="{909E8E84-426E-40dd-AFC4-6F175D3DCCD1}">
-              <a14:hiddenFill xmlns:a14="http://schemas.microsoft.com/office/drawing/2010/main" xmlns="">
+              <a14:hiddenFill xmlns="" xmlns:a14="http://schemas.microsoft.com/office/drawing/2010/main">
                 <a:solidFill>
                   <a:srgbClr val="FFFFFF"/>
                 </a:solidFill>
               </a14:hiddenFill>
             </a:ext>
             <a:ext uri="{91240B29-F687-4f45-9708-019B960494DF}">
-              <a14:hiddenLine xmlns:a14="http://schemas.microsoft.com/office/drawing/2010/main" xmlns="" w="9525">
+              <a14:hiddenLine xmlns="" xmlns:a14="http://schemas.microsoft.com/office/drawing/2010/main" w="9525">
                 <a:solidFill>
                   <a:srgbClr val="000000"/>
                 </a:solidFill>
@@ -10446,14 +10454,14 @@
           </a:ln>
           <a:extLst>
             <a:ext uri="{909E8E84-426E-40dd-AFC4-6F175D3DCCD1}">
-              <a14:hiddenFill xmlns:a14="http://schemas.microsoft.com/office/drawing/2010/main" xmlns="">
+              <a14:hiddenFill xmlns="" xmlns:a14="http://schemas.microsoft.com/office/drawing/2010/main">
                 <a:solidFill>
                   <a:srgbClr val="FFFFFF"/>
                 </a:solidFill>
               </a14:hiddenFill>
             </a:ext>
             <a:ext uri="{91240B29-F687-4f45-9708-019B960494DF}">
-              <a14:hiddenLine xmlns:a14="http://schemas.microsoft.com/office/drawing/2010/main" xmlns="" w="9525">
+              <a14:hiddenLine xmlns="" xmlns:a14="http://schemas.microsoft.com/office/drawing/2010/main" w="9525">
                 <a:solidFill>
                   <a:srgbClr val="000000"/>
                 </a:solidFill>
@@ -11105,14 +11113,14 @@
           </a:ln>
           <a:extLst>
             <a:ext uri="{909E8E84-426E-40dd-AFC4-6F175D3DCCD1}">
-              <a14:hiddenFill xmlns:a14="http://schemas.microsoft.com/office/drawing/2010/main" xmlns="">
+              <a14:hiddenFill xmlns="" xmlns:a14="http://schemas.microsoft.com/office/drawing/2010/main">
                 <a:solidFill>
                   <a:srgbClr val="FFFFFF"/>
                 </a:solidFill>
               </a14:hiddenFill>
             </a:ext>
             <a:ext uri="{91240B29-F687-4f45-9708-019B960494DF}">
-              <a14:hiddenLine xmlns:a14="http://schemas.microsoft.com/office/drawing/2010/main" xmlns="" w="9525">
+              <a14:hiddenLine xmlns="" xmlns:a14="http://schemas.microsoft.com/office/drawing/2010/main" w="9525">
                 <a:solidFill>
                   <a:srgbClr val="000000"/>
                 </a:solidFill>
@@ -11192,7 +11200,7 @@
               <a:defRPr/>
             </a:pPr>
             <a:r>
-              <a:rPr lang="en-US" dirty="0">
+              <a:rPr lang="en-US" dirty="0" smtClean="0">
                 <a:solidFill>
                   <a:srgbClr val="7D868C"/>
                 </a:solidFill>
@@ -11203,6 +11211,17 @@
               <a:t>©</a:t>
             </a:r>
             <a:r>
+              <a:rPr lang="is-IS" dirty="0" smtClean="0">
+                <a:solidFill>
+                  <a:srgbClr val="7D868C"/>
+                </a:solidFill>
+                <a:latin typeface="+mn-lt"/>
+                <a:ea typeface="+mn-ea"/>
+                <a:cs typeface="+mn-cs"/>
+              </a:rPr>
+              <a:t>2017</a:t>
+            </a:r>
+            <a:r>
               <a:rPr lang="en-US" dirty="0" smtClean="0">
                 <a:solidFill>
                   <a:srgbClr val="7D868C"/>
@@ -11211,7 +11230,7 @@
                 <a:ea typeface="+mn-ea"/>
                 <a:cs typeface="+mn-cs"/>
               </a:rPr>
-              <a:t>2016 </a:t>
+              <a:t> </a:t>
             </a:r>
             <a:r>
               <a:rPr lang="en-US" dirty="0">
@@ -11887,14 +11906,14 @@
           </a:ln>
           <a:extLst>
             <a:ext uri="{909E8E84-426E-40dd-AFC4-6F175D3DCCD1}">
-              <a14:hiddenFill xmlns:a14="http://schemas.microsoft.com/office/drawing/2010/main" xmlns="">
+              <a14:hiddenFill xmlns="" xmlns:a14="http://schemas.microsoft.com/office/drawing/2010/main">
                 <a:solidFill>
                   <a:srgbClr val="FFFFFF"/>
                 </a:solidFill>
               </a14:hiddenFill>
             </a:ext>
             <a:ext uri="{91240B29-F687-4f45-9708-019B960494DF}">
-              <a14:hiddenLine xmlns:a14="http://schemas.microsoft.com/office/drawing/2010/main" xmlns="" w="9525">
+              <a14:hiddenLine xmlns="" xmlns:a14="http://schemas.microsoft.com/office/drawing/2010/main" w="9525">
                 <a:solidFill>
                   <a:srgbClr val="000000"/>
                 </a:solidFill>
@@ -11974,7 +11993,7 @@
               <a:defRPr/>
             </a:pPr>
             <a:r>
-              <a:rPr lang="en-US" dirty="0">
+              <a:rPr lang="en-US" dirty="0" smtClean="0">
                 <a:solidFill>
                   <a:srgbClr val="7D868C"/>
                 </a:solidFill>
@@ -11985,6 +12004,17 @@
               <a:t>©</a:t>
             </a:r>
             <a:r>
+              <a:rPr lang="is-IS" dirty="0" smtClean="0">
+                <a:solidFill>
+                  <a:srgbClr val="7D868C"/>
+                </a:solidFill>
+                <a:latin typeface="+mn-lt"/>
+                <a:ea typeface="+mn-ea"/>
+                <a:cs typeface="+mn-cs"/>
+              </a:rPr>
+              <a:t>2017</a:t>
+            </a:r>
+            <a:r>
               <a:rPr lang="en-US" dirty="0" smtClean="0">
                 <a:solidFill>
                   <a:srgbClr val="7D868C"/>
@@ -11993,7 +12023,7 @@
                 <a:ea typeface="+mn-ea"/>
                 <a:cs typeface="+mn-cs"/>
               </a:rPr>
-              <a:t>2016 </a:t>
+              <a:t> </a:t>
             </a:r>
             <a:r>
               <a:rPr lang="en-US" dirty="0">
@@ -12795,14 +12825,14 @@
           </a:ln>
           <a:extLst>
             <a:ext uri="{909E8E84-426E-40dd-AFC4-6F175D3DCCD1}">
-              <a14:hiddenFill xmlns:a14="http://schemas.microsoft.com/office/drawing/2010/main" xmlns="">
+              <a14:hiddenFill xmlns="" xmlns:a14="http://schemas.microsoft.com/office/drawing/2010/main">
                 <a:solidFill>
                   <a:srgbClr val="FFFFFF"/>
                 </a:solidFill>
               </a14:hiddenFill>
             </a:ext>
             <a:ext uri="{91240B29-F687-4f45-9708-019B960494DF}">
-              <a14:hiddenLine xmlns:a14="http://schemas.microsoft.com/office/drawing/2010/main" xmlns="" w="9525">
+              <a14:hiddenLine xmlns="" xmlns:a14="http://schemas.microsoft.com/office/drawing/2010/main" w="9525">
                 <a:solidFill>
                   <a:srgbClr val="000000"/>
                 </a:solidFill>
@@ -16110,11 +16140,7 @@
             </a:r>
             <a:r>
               <a:rPr lang="en-US" sz="2400" dirty="0" smtClean="0"/>
-              <a:t>   </a:t>
-            </a:r>
-            <a:r>
-              <a:rPr lang="en-US" sz="2400" dirty="0" smtClean="0"/>
-              <a:t>end</a:t>
+              <a:t>   end</a:t>
             </a:r>
             <a:endParaRPr lang="en-US" sz="2400" dirty="0"/>
           </a:p>
@@ -18105,13 +18131,8 @@
             </a:r>
             <a:r>
               <a:rPr lang="en-US" dirty="0" smtClean="0"/>
-              <a:t>, on ...platform</a:t>
-            </a:r>
-            <a:r>
-              <a:rPr lang="en-US" dirty="0" smtClean="0"/>
-              <a:t>' do  </a:t>
-            </a:r>
-            <a:endParaRPr lang="en-US" dirty="0" smtClean="0"/>
+              <a:t>, on ...platform' do  </a:t>
+            </a:r>
           </a:p>
           <a:p>
             <a:r>
@@ -18175,7 +18196,6 @@
               <a:rPr lang="en-US" dirty="0"/>
               <a:t>)</a:t>
             </a:r>
-            <a:endParaRPr lang="en-US" dirty="0"/>
           </a:p>
           <a:p>
             <a:r>
@@ -18253,11 +18273,7 @@
             </a:r>
             <a:r>
               <a:rPr lang="en-US" dirty="0" smtClean="0"/>
-              <a:t>c</a:t>
-            </a:r>
-            <a:r>
-              <a:rPr lang="en-US" dirty="0" smtClean="0"/>
-              <a:t>+...</a:t>
+              <a:t>c+...</a:t>
             </a:r>
           </a:p>
           <a:p>
@@ -18587,11 +18603,7 @@
             </a:r>
             <a:r>
               <a:rPr lang="en-US" dirty="0" smtClean="0"/>
-              <a:t>, on ...platform</a:t>
-            </a:r>
-            <a:r>
-              <a:rPr lang="en-US" dirty="0" smtClean="0"/>
-              <a:t>' do  </a:t>
+              <a:t>, on ...platform' do  </a:t>
             </a:r>
           </a:p>
           <a:p>
@@ -18615,11 +18627,7 @@
           <a:p>
             <a:r>
               <a:rPr lang="en-US" dirty="0"/>
-              <a:t> </a:t>
-            </a:r>
-            <a:r>
-              <a:rPr lang="en-US" dirty="0"/>
-              <a:t>     </a:t>
+              <a:t>      </a:t>
             </a:r>
             <a:r>
               <a:rPr lang="en-US" dirty="0" smtClean="0"/>
@@ -18772,11 +18780,7 @@
             </a:r>
             <a:r>
               <a:rPr lang="en-US" dirty="0" smtClean="0"/>
-              <a:t>c</a:t>
-            </a:r>
-            <a:r>
-              <a:rPr lang="en-US" dirty="0" smtClean="0"/>
-              <a:t>+...</a:t>
+              <a:t>c+...</a:t>
             </a:r>
           </a:p>
           <a:p>
